--- a/presentation_sections_4_5_and_6.pptx
+++ b/presentation_sections_4_5_and_6.pptx
@@ -645,6 +645,331 @@
     </a:lvl9pPr>
   </p:notesStyle>
 </p:notesMaster>
+</file>
+
+<file path=ppt/notesSlides/notesSlide1.xml><?xml version="1.0" encoding="utf-8"?>
+<p:notes xmlns:a="http://schemas.openxmlformats.org/drawingml/2006/main" xmlns:r="http://schemas.openxmlformats.org/officeDocument/2006/relationships" xmlns:p="http://schemas.openxmlformats.org/presentationml/2006/main">
+  <p:cSld>
+    <p:spTree>
+      <p:nvGrpSpPr>
+        <p:cNvPr id="1" name=""/>
+        <p:cNvGrpSpPr/>
+        <p:nvPr/>
+      </p:nvGrpSpPr>
+      <p:grpSpPr>
+        <a:xfrm>
+          <a:off x="0" y="0"/>
+          <a:ext cx="0" cy="0"/>
+          <a:chOff x="0" y="0"/>
+          <a:chExt cx="0" cy="0"/>
+        </a:xfrm>
+      </p:grpSpPr>
+      <p:sp>
+        <p:nvSpPr>
+          <p:cNvPr id="2" name="Slide Image Placeholder 1"/>
+          <p:cNvSpPr>
+            <a:spLocks noGrp="1" noRot="1" noChangeAspect="1"/>
+          </p:cNvSpPr>
+          <p:nvPr>
+            <p:ph type="sldImg"/>
+          </p:nvPr>
+        </p:nvSpPr>
+        <p:spPr/>
+      </p:sp>
+      <p:sp>
+        <p:nvSpPr>
+          <p:cNvPr id="3" name="Notes Placeholder 2"/>
+          <p:cNvSpPr>
+            <a:spLocks noGrp="1"/>
+          </p:cNvSpPr>
+          <p:nvPr>
+            <p:ph type="body" idx="1"/>
+          </p:nvPr>
+        </p:nvSpPr>
+        <p:spPr/>
+        <p:txBody>
+          <a:bodyPr/>
+          <a:lstStyle/>
+          <a:p>
+            <a:r>
+              <a:rPr lang="en-US" dirty="0"/>
+              <a:t>Worker attrition is measured by participants moving between companies during the study.</a:t>
+            </a:r>
+            <a:br>
+              <a:rPr lang="en-US" dirty="0"/>
+            </a:br>
+            <a:br>
+              <a:rPr lang="en-US" dirty="0"/>
+            </a:br>
+            <a:r>
+              <a:rPr lang="en-US" dirty="0"/>
+              <a:t>Worker productivity is revenue per hour of worker labor.</a:t>
+            </a:r>
+            <a:br>
+              <a:rPr lang="en-US" dirty="0"/>
+            </a:br>
+            <a:br>
+              <a:rPr lang="en-US" dirty="0"/>
+            </a:br>
+            <a:r>
+              <a:rPr lang="en-US" dirty="0"/>
+              <a:t>Worker satisfaction will be measured by surveys before and after.</a:t>
+            </a:r>
+            <a:br>
+              <a:rPr lang="en-US" dirty="0"/>
+            </a:br>
+            <a:br>
+              <a:rPr lang="en-US" dirty="0"/>
+            </a:br>
+            <a:r>
+              <a:rPr lang="en-US" dirty="0"/>
+              <a:t>Risks include changes to indexes of productivity, or retention due to mergers, recessions, etc. …</a:t>
+            </a:r>
+          </a:p>
+        </p:txBody>
+      </p:sp>
+      <p:sp>
+        <p:nvSpPr>
+          <p:cNvPr id="4" name="Slide Number Placeholder 3"/>
+          <p:cNvSpPr>
+            <a:spLocks noGrp="1"/>
+          </p:cNvSpPr>
+          <p:nvPr>
+            <p:ph type="sldNum" sz="quarter" idx="5"/>
+          </p:nvPr>
+        </p:nvSpPr>
+        <p:spPr/>
+        <p:txBody>
+          <a:bodyPr/>
+          <a:lstStyle/>
+          <a:p>
+            <a:fld id="{84B7DBC5-2A13-CA47-B9EE-6017A92B6B18}" type="slidenum">
+              <a:rPr lang="en-US" smtClean="0"/>
+              <a:t>1</a:t>
+            </a:fld>
+            <a:endParaRPr lang="en-US"/>
+          </a:p>
+        </p:txBody>
+      </p:sp>
+    </p:spTree>
+    <p:extLst>
+      <p:ext uri="{BB962C8B-B14F-4D97-AF65-F5344CB8AC3E}">
+        <p14:creationId xmlns:p14="http://schemas.microsoft.com/office/powerpoint/2010/main" val="1677954790"/>
+      </p:ext>
+    </p:extLst>
+  </p:cSld>
+  <p:clrMapOvr>
+    <a:masterClrMapping/>
+  </p:clrMapOvr>
+</p:notes>
+</file>
+
+<file path=ppt/notesSlides/notesSlide2.xml><?xml version="1.0" encoding="utf-8"?>
+<p:notes xmlns:a="http://schemas.openxmlformats.org/drawingml/2006/main" xmlns:r="http://schemas.openxmlformats.org/officeDocument/2006/relationships" xmlns:p="http://schemas.openxmlformats.org/presentationml/2006/main">
+  <p:cSld>
+    <p:spTree>
+      <p:nvGrpSpPr>
+        <p:cNvPr id="1" name=""/>
+        <p:cNvGrpSpPr/>
+        <p:nvPr/>
+      </p:nvGrpSpPr>
+      <p:grpSpPr>
+        <a:xfrm>
+          <a:off x="0" y="0"/>
+          <a:ext cx="0" cy="0"/>
+          <a:chOff x="0" y="0"/>
+          <a:chExt cx="0" cy="0"/>
+        </a:xfrm>
+      </p:grpSpPr>
+      <p:sp>
+        <p:nvSpPr>
+          <p:cNvPr id="2" name="Slide Image Placeholder 1"/>
+          <p:cNvSpPr>
+            <a:spLocks noGrp="1" noRot="1" noChangeAspect="1"/>
+          </p:cNvSpPr>
+          <p:nvPr>
+            <p:ph type="sldImg"/>
+          </p:nvPr>
+        </p:nvSpPr>
+        <p:spPr/>
+      </p:sp>
+      <p:sp>
+        <p:nvSpPr>
+          <p:cNvPr id="3" name="Notes Placeholder 2"/>
+          <p:cNvSpPr>
+            <a:spLocks noGrp="1"/>
+          </p:cNvSpPr>
+          <p:nvPr>
+            <p:ph type="body" idx="1"/>
+          </p:nvPr>
+        </p:nvSpPr>
+        <p:spPr/>
+        <p:txBody>
+          <a:bodyPr/>
+          <a:lstStyle/>
+          <a:p>
+            <a:r>
+              <a:rPr lang="en-US" dirty="0"/>
+              <a:t>Stratified random probability sampling to include appropriate number of minorities, women, special needs workers, etc. …</a:t>
+            </a:r>
+            <a:br>
+              <a:rPr lang="en-US" dirty="0"/>
+            </a:br>
+            <a:br>
+              <a:rPr lang="en-US" dirty="0"/>
+            </a:br>
+            <a:r>
+              <a:rPr lang="en-US" dirty="0"/>
+              <a:t>We need to be able to measure before and after if we’re going to measure satisfaction.</a:t>
+            </a:r>
+            <a:br>
+              <a:rPr lang="en-US" dirty="0"/>
+            </a:br>
+            <a:br>
+              <a:rPr lang="en-US" dirty="0"/>
+            </a:br>
+            <a:r>
+              <a:rPr lang="en-US" dirty="0"/>
+              <a:t>Exclude outliers if possible which could contribute to attrition rates, etc. …</a:t>
+            </a:r>
+            <a:br>
+              <a:rPr lang="en-US" dirty="0"/>
+            </a:br>
+            <a:br>
+              <a:rPr lang="en-US" dirty="0"/>
+            </a:br>
+            <a:endParaRPr lang="en-US" dirty="0"/>
+          </a:p>
+        </p:txBody>
+      </p:sp>
+      <p:sp>
+        <p:nvSpPr>
+          <p:cNvPr id="4" name="Slide Number Placeholder 3"/>
+          <p:cNvSpPr>
+            <a:spLocks noGrp="1"/>
+          </p:cNvSpPr>
+          <p:nvPr>
+            <p:ph type="sldNum" sz="quarter" idx="5"/>
+          </p:nvPr>
+        </p:nvSpPr>
+        <p:spPr/>
+        <p:txBody>
+          <a:bodyPr/>
+          <a:lstStyle/>
+          <a:p>
+            <a:fld id="{84B7DBC5-2A13-CA47-B9EE-6017A92B6B18}" type="slidenum">
+              <a:rPr lang="en-US" smtClean="0"/>
+              <a:t>2</a:t>
+            </a:fld>
+            <a:endParaRPr lang="en-US"/>
+          </a:p>
+        </p:txBody>
+      </p:sp>
+    </p:spTree>
+    <p:extLst>
+      <p:ext uri="{BB962C8B-B14F-4D97-AF65-F5344CB8AC3E}">
+        <p14:creationId xmlns:p14="http://schemas.microsoft.com/office/powerpoint/2010/main" val="3012217514"/>
+      </p:ext>
+    </p:extLst>
+  </p:cSld>
+  <p:clrMapOvr>
+    <a:masterClrMapping/>
+  </p:clrMapOvr>
+</p:notes>
+</file>
+
+<file path=ppt/notesSlides/notesSlide3.xml><?xml version="1.0" encoding="utf-8"?>
+<p:notes xmlns:a="http://schemas.openxmlformats.org/drawingml/2006/main" xmlns:r="http://schemas.openxmlformats.org/officeDocument/2006/relationships" xmlns:p="http://schemas.openxmlformats.org/presentationml/2006/main">
+  <p:cSld>
+    <p:spTree>
+      <p:nvGrpSpPr>
+        <p:cNvPr id="1" name=""/>
+        <p:cNvGrpSpPr/>
+        <p:nvPr/>
+      </p:nvGrpSpPr>
+      <p:grpSpPr>
+        <a:xfrm>
+          <a:off x="0" y="0"/>
+          <a:ext cx="0" cy="0"/>
+          <a:chOff x="0" y="0"/>
+          <a:chExt cx="0" cy="0"/>
+        </a:xfrm>
+      </p:grpSpPr>
+      <p:sp>
+        <p:nvSpPr>
+          <p:cNvPr id="2" name="Slide Image Placeholder 1"/>
+          <p:cNvSpPr>
+            <a:spLocks noGrp="1" noRot="1" noChangeAspect="1"/>
+          </p:cNvSpPr>
+          <p:nvPr>
+            <p:ph type="sldImg"/>
+          </p:nvPr>
+        </p:nvSpPr>
+        <p:spPr/>
+      </p:sp>
+      <p:sp>
+        <p:nvSpPr>
+          <p:cNvPr id="3" name="Notes Placeholder 2"/>
+          <p:cNvSpPr>
+            <a:spLocks noGrp="1"/>
+          </p:cNvSpPr>
+          <p:nvPr>
+            <p:ph type="body" idx="1"/>
+          </p:nvPr>
+        </p:nvSpPr>
+        <p:spPr/>
+        <p:txBody>
+          <a:bodyPr/>
+          <a:lstStyle/>
+          <a:p>
+            <a:r>
+              <a:rPr lang="en-US" dirty="0"/>
+              <a:t>In all of these measurements the independent variable is the introduction of the four day work week.</a:t>
+            </a:r>
+            <a:br>
+              <a:rPr lang="en-US" dirty="0"/>
+            </a:br>
+            <a:br>
+              <a:rPr lang="en-US" dirty="0"/>
+            </a:br>
+            <a:endParaRPr lang="en-US" dirty="0"/>
+          </a:p>
+        </p:txBody>
+      </p:sp>
+      <p:sp>
+        <p:nvSpPr>
+          <p:cNvPr id="4" name="Slide Number Placeholder 3"/>
+          <p:cNvSpPr>
+            <a:spLocks noGrp="1"/>
+          </p:cNvSpPr>
+          <p:nvPr>
+            <p:ph type="sldNum" sz="quarter" idx="5"/>
+          </p:nvPr>
+        </p:nvSpPr>
+        <p:spPr/>
+        <p:txBody>
+          <a:bodyPr/>
+          <a:lstStyle/>
+          <a:p>
+            <a:fld id="{84B7DBC5-2A13-CA47-B9EE-6017A92B6B18}" type="slidenum">
+              <a:rPr lang="en-US" smtClean="0"/>
+              <a:t>3</a:t>
+            </a:fld>
+            <a:endParaRPr lang="en-US"/>
+          </a:p>
+        </p:txBody>
+      </p:sp>
+    </p:spTree>
+    <p:extLst>
+      <p:ext uri="{BB962C8B-B14F-4D97-AF65-F5344CB8AC3E}">
+        <p14:creationId xmlns:p14="http://schemas.microsoft.com/office/powerpoint/2010/main" val="2780030204"/>
+      </p:ext>
+    </p:extLst>
+  </p:cSld>
+  <p:clrMapOvr>
+    <a:masterClrMapping/>
+  </p:clrMapOvr>
+</p:notes>
 </file>
 
 <file path=ppt/slideLayouts/slideLayout1.xml><?xml version="1.0" encoding="utf-8"?>
@@ -2616,7 +2941,7 @@
         </p:spPr>
         <p:txBody>
           <a:bodyPr>
-            <a:normAutofit fontScale="92500" lnSpcReduction="10000"/>
+            <a:normAutofit fontScale="85000" lnSpcReduction="20000"/>
           </a:bodyPr>
           <a:lstStyle/>
           <a:p>
@@ -2632,7 +2957,7 @@
           <a:p>
             <a:r>
               <a:rPr lang="en-US" sz="1600" dirty="0"/>
-              <a:t>Measure worker attrition / retention before</a:t>
+              <a:t>Measure rate of worker attrition / retention before</a:t>
             </a:r>
             <a:br>
               <a:rPr lang="en-US" sz="1600" dirty="0"/>
@@ -2642,7 +2967,7 @@
           <a:p>
             <a:r>
               <a:rPr lang="en-US" sz="1600" dirty="0"/>
-              <a:t>Measure worker attrition / retention after.</a:t>
+              <a:t>Measure rate of worker attrition / retention after.</a:t>
             </a:r>
             <a:br>
               <a:rPr lang="en-US" sz="1600" dirty="0"/>
@@ -2672,7 +2997,7 @@
           <a:p>
             <a:r>
               <a:rPr lang="en-US" sz="1600" dirty="0"/>
-              <a:t>If worker retention is enhanced and worker attrition is decreased determine whether the four day work week was the cause of those improvements.</a:t>
+              <a:t>Measure worker satisfaction before.  </a:t>
             </a:r>
             <a:br>
               <a:rPr lang="en-US" sz="1600" dirty="0"/>
@@ -2680,10 +3005,30 @@
             <a:endParaRPr lang="en-US" sz="1600" dirty="0"/>
           </a:p>
           <a:p>
+            <a:r>
+              <a:rPr lang="en-US" sz="1600" dirty="0"/>
+              <a:t>Measure worker satisfaction after.</a:t>
+            </a:r>
+            <a:br>
+              <a:rPr lang="en-US" sz="1600" dirty="0"/>
+            </a:br>
+            <a:endParaRPr lang="en-US" sz="1600" dirty="0"/>
+          </a:p>
+          <a:p>
+            <a:r>
+              <a:rPr lang="en-US" sz="1600" dirty="0"/>
+              <a:t>If worker retention is enhanced and worker attrition is decreased determine whether the four day work week was the cause of those improvements.</a:t>
+            </a:r>
+            <a:br>
+              <a:rPr lang="en-US" sz="1600" dirty="0"/>
+            </a:br>
+            <a:endParaRPr lang="en-US" sz="1600" dirty="0"/>
+          </a:p>
+          <a:p>
             <a:pPr lvl="1"/>
             <a:r>
               <a:rPr lang="en-US" sz="1400" dirty="0"/>
-              <a:t>This determination will be done with the aid of quantitative surveys, which will list as one of many options the four day work week, to determine whether the four day work week was causal </a:t>
+              <a:t>This determination will be done with the aid of quantitative surveys, which will list as one of many options the four day work week, to determine whether the four day work week was causal.</a:t>
             </a:r>
             <a:br>
               <a:rPr lang="en-US" sz="1400" dirty="0"/>
@@ -3552,7 +3897,7 @@
             <a:pPr lvl="1"/>
             <a:r>
               <a:rPr lang="en-US" sz="1400" dirty="0"/>
-              <a:t>Dependent Variable: 		Employee attrition before implementation of 4 day work week.</a:t>
+              <a:t>Dependent Variable: 		Employee productivity after implementation of 4 day work week.</a:t>
             </a:r>
             <a:br>
               <a:rPr lang="en-US" sz="1400" dirty="0"/>
